--- a/ppt/nodejs/sequelize/sequelize.pptx
+++ b/ppt/nodejs/sequelize/sequelize.pptx
@@ -206,7 +206,7 @@
           <a:p>
             <a:fld id="{CEEBDA6D-DC69-4DCE-BAF7-6763517D3376}" type="datetimeFigureOut">
               <a:rPr lang="en-US" altLang="zh-CN"/>
-              <a:t>2/25/2017</a:t>
+              <a:t>3/2/2017</a:t>
             </a:fld>
             <a:endParaRPr lang="zh-CN"/>
           </a:p>
@@ -370,7 +370,7 @@
           </a:lstStyle>
           <a:p>
             <a:fld id="{237F6C43-988E-4257-9A1C-C162EF036D58}" type="datetimeFigureOut">
-              <a:t>2017/2/25</a:t>
+              <a:t>2017/3/2</a:t>
             </a:fld>
             <a:endParaRPr lang="zh-CN"/>
           </a:p>
@@ -882,7 +882,7 @@
           <a:lstStyle/>
           <a:p>
             <a:fld id="{2CCFE9AC-F15C-4FA0-A6F1-298829FA691D}" type="datetimeFigureOut">
-              <a:t>2017/2/25</a:t>
+              <a:t>2017/3/2</a:t>
             </a:fld>
             <a:endParaRPr lang="zh-CN"/>
           </a:p>
@@ -1062,7 +1062,7 @@
           <a:lstStyle/>
           <a:p>
             <a:fld id="{2CCFE9AC-F15C-4FA0-A6F1-298829FA691D}" type="datetimeFigureOut">
-              <a:t>2017/2/25</a:t>
+              <a:t>2017/3/2</a:t>
             </a:fld>
             <a:endParaRPr lang="zh-CN"/>
           </a:p>
@@ -1229,7 +1229,7 @@
           <a:lstStyle/>
           <a:p>
             <a:fld id="{2CCFE9AC-F15C-4FA0-A6F1-298829FA691D}" type="datetimeFigureOut">
-              <a:t>2017/2/25</a:t>
+              <a:t>2017/3/2</a:t>
             </a:fld>
             <a:endParaRPr lang="zh-CN"/>
           </a:p>
@@ -1520,7 +1520,7 @@
           <a:lstStyle/>
           <a:p>
             <a:fld id="{2CCFE9AC-F15C-4FA0-A6F1-298829FA691D}" type="datetimeFigureOut">
-              <a:t>2017/2/25</a:t>
+              <a:t>2017/3/2</a:t>
             </a:fld>
             <a:endParaRPr lang="zh-CN"/>
           </a:p>
@@ -1892,7 +1892,7 @@
           <a:lstStyle/>
           <a:p>
             <a:fld id="{2CCFE9AC-F15C-4FA0-A6F1-298829FA691D}" type="datetimeFigureOut">
-              <a:t>2017/2/25</a:t>
+              <a:t>2017/3/2</a:t>
             </a:fld>
             <a:endParaRPr lang="zh-CN"/>
           </a:p>
@@ -2134,7 +2134,7 @@
           <a:lstStyle/>
           <a:p>
             <a:fld id="{2CCFE9AC-F15C-4FA0-A6F1-298829FA691D}" type="datetimeFigureOut">
-              <a:t>2017/2/25</a:t>
+              <a:t>2017/3/2</a:t>
             </a:fld>
             <a:endParaRPr lang="zh-CN"/>
           </a:p>
@@ -2506,7 +2506,7 @@
           <a:lstStyle/>
           <a:p>
             <a:fld id="{2CCFE9AC-F15C-4FA0-A6F1-298829FA691D}" type="datetimeFigureOut">
-              <a:t>2017/2/25</a:t>
+              <a:t>2017/3/2</a:t>
             </a:fld>
             <a:endParaRPr lang="zh-CN"/>
           </a:p>
@@ -2634,7 +2634,7 @@
           <a:lstStyle/>
           <a:p>
             <a:fld id="{2CCFE9AC-F15C-4FA0-A6F1-298829FA691D}" type="datetimeFigureOut">
-              <a:t>2017/2/25</a:t>
+              <a:t>2017/3/2</a:t>
             </a:fld>
             <a:endParaRPr lang="zh-CN"/>
           </a:p>
@@ -2739,7 +2739,7 @@
           <a:lstStyle/>
           <a:p>
             <a:fld id="{2CCFE9AC-F15C-4FA0-A6F1-298829FA691D}" type="datetimeFigureOut">
-              <a:t>2017/2/25</a:t>
+              <a:t>2017/3/2</a:t>
             </a:fld>
             <a:endParaRPr lang="zh-CN"/>
           </a:p>
@@ -3030,7 +3030,7 @@
           <a:lstStyle/>
           <a:p>
             <a:fld id="{2CCFE9AC-F15C-4FA0-A6F1-298829FA691D}" type="datetimeFigureOut">
-              <a:t>2017/2/25</a:t>
+              <a:t>2017/3/2</a:t>
             </a:fld>
             <a:endParaRPr lang="zh-CN"/>
           </a:p>
@@ -3298,7 +3298,7 @@
           <a:lstStyle/>
           <a:p>
             <a:fld id="{2CCFE9AC-F15C-4FA0-A6F1-298829FA691D}" type="datetimeFigureOut">
-              <a:t>2017/2/25</a:t>
+              <a:t>2017/3/2</a:t>
             </a:fld>
             <a:endParaRPr lang="zh-CN"/>
           </a:p>
@@ -3627,7 +3627,7 @@
             <a:fld id="{2CCFE9AC-F15C-4FA0-A6F1-298829FA691D}" type="datetimeFigureOut">
               <a:rPr lang="en-US" altLang="zh-CN" smtClean="0"/>
               <a:pPr/>
-              <a:t>2/25/2017</a:t>
+              <a:t>3/2/2017</a:t>
             </a:fld>
             <a:endParaRPr lang="zh-CN" altLang="en-US"/>
           </a:p>
@@ -4065,31 +4065,39 @@
           <a:lstStyle/>
           <a:p>
             <a:r>
+              <a:rPr lang="en-US" altLang="zh-CN" dirty="0" err="1" smtClean="0"/>
+              <a:t>sequelize</a:t>
+            </a:r>
+            <a:endParaRPr lang="zh-CN" dirty="0"/>
+          </a:p>
+        </p:txBody>
+      </p:sp>
+      <p:sp>
+        <p:nvSpPr>
+          <p:cNvPr id="3" name="副标题 2"/>
+          <p:cNvSpPr>
+            <a:spLocks noGrp="1"/>
+          </p:cNvSpPr>
+          <p:nvPr>
+            <p:ph type="subTitle" idx="1"/>
+          </p:nvPr>
+        </p:nvSpPr>
+        <p:spPr/>
+        <p:txBody>
+          <a:bodyPr/>
+          <a:lstStyle/>
+          <a:p>
+            <a:r>
+              <a:rPr lang="en-US" altLang="zh-CN" dirty="0" err="1" smtClean="0"/>
+              <a:t>Orm</a:t>
+            </a:r>
+            <a:r>
               <a:rPr lang="en-US" altLang="zh-CN" dirty="0" smtClean="0"/>
-              <a:t>REACT</a:t>
-            </a:r>
-            <a:endParaRPr lang="zh-CN" dirty="0"/>
-          </a:p>
-        </p:txBody>
-      </p:sp>
-      <p:sp>
-        <p:nvSpPr>
-          <p:cNvPr id="3" name="副标题 2"/>
-          <p:cNvSpPr>
-            <a:spLocks noGrp="1"/>
-          </p:cNvSpPr>
-          <p:nvPr>
-            <p:ph type="subTitle" idx="1"/>
-          </p:nvPr>
-        </p:nvSpPr>
-        <p:spPr/>
-        <p:txBody>
-          <a:bodyPr/>
-          <a:lstStyle/>
-          <a:p>
-            <a:r>
-              <a:rPr lang="en-US" altLang="zh-CN" dirty="0" smtClean="0"/>
-              <a:t>react</a:t>
+              <a:t> </a:t>
+            </a:r>
+            <a:r>
+              <a:rPr lang="zh-CN" altLang="en-US" dirty="0" smtClean="0"/>
+              <a:t>框架</a:t>
             </a:r>
             <a:endParaRPr lang="zh-CN" dirty="0"/>
           </a:p>
@@ -4332,11 +4340,7 @@
             </a:pPr>
             <a:r>
               <a:rPr lang="zh-CN" altLang="en-US" dirty="0" smtClean="0"/>
-              <a:t>组件的</a:t>
-            </a:r>
-            <a:r>
-              <a:rPr lang="zh-CN" altLang="en-US" dirty="0" smtClean="0"/>
-              <a:t>属性</a:t>
+              <a:t>组件的属性</a:t>
             </a:r>
             <a:endParaRPr lang="en-US" altLang="zh-CN" smtClean="0"/>
           </a:p>
